--- a/Assignment2/Presentation.pptx
+++ b/Assignment2/Presentation.pptx
@@ -4330,7 +4330,7 @@
         </p:nvCxnSpPr>
         <p:spPr>
           <a:xfrm>
-            <a:off x="3080671" y="2629821"/>
+            <a:off x="3080671" y="2436781"/>
             <a:ext cx="2978757" cy="0"/>
           </a:xfrm>
           <a:prstGeom prst="line">
@@ -4987,7 +4987,7 @@
         </p:nvCxnSpPr>
         <p:spPr>
           <a:xfrm>
-            <a:off x="501677" y="2141899"/>
+            <a:off x="430557" y="2141899"/>
             <a:ext cx="2978757" cy="0"/>
           </a:xfrm>
           <a:prstGeom prst="line">
@@ -5101,7 +5101,7 @@
         <p:spPr>
           <a:xfrm>
             <a:off x="332722" y="2379741"/>
-            <a:ext cx="8258646" cy="1590179"/>
+            <a:ext cx="8258646" cy="1877437"/>
           </a:xfrm>
           <a:prstGeom prst="rect">
             <a:avLst/>
@@ -5160,6 +5160,16 @@
               <a:t>  Interest differential 	</a:t>
             </a:r>
             <a:r>
+              <a:rPr lang="en-US" sz="1200" dirty="0" smtClean="0">
+                <a:solidFill>
+                  <a:schemeClr val="bg1"/>
+                </a:solidFill>
+                <a:latin typeface="Lantinghei SC Extralight"/>
+                <a:cs typeface="Lantinghei SC Extralight"/>
+              </a:rPr>
+              <a:t>-</a:t>
+            </a:r>
+            <a:r>
               <a:rPr lang="en-US" sz="1200" b="1" dirty="0" smtClean="0">
                 <a:solidFill>
                   <a:schemeClr val="bg1"/>
@@ -5167,7 +5177,7 @@
                 <a:latin typeface="Lantinghei SC Extralight"/>
                 <a:cs typeface="Lantinghei SC Extralight"/>
               </a:rPr>
-              <a:t>- </a:t>
+              <a:t> </a:t>
             </a:r>
             <a:r>
               <a:rPr lang="en-US" sz="1200" b="1" dirty="0" smtClean="0">
@@ -5252,7 +5262,27 @@
                 <a:latin typeface="Lantinghei SC Extralight"/>
                 <a:cs typeface="Lantinghei SC Extralight"/>
               </a:rPr>
-              <a:t>		       	- more attractive to save money in currency with higher interest rate</a:t>
+              <a:t>		       	</a:t>
+            </a:r>
+            <a:r>
+              <a:rPr lang="en-US" sz="1200" dirty="0" smtClean="0">
+                <a:solidFill>
+                  <a:schemeClr val="bg1"/>
+                </a:solidFill>
+                <a:latin typeface="Lantinghei SC Extralight"/>
+                <a:cs typeface="Lantinghei SC Extralight"/>
+              </a:rPr>
+              <a:t>- </a:t>
+            </a:r>
+            <a:r>
+              <a:rPr lang="en-US" sz="1200" b="1" dirty="0" smtClean="0">
+                <a:solidFill>
+                  <a:schemeClr val="bg1"/>
+                </a:solidFill>
+                <a:latin typeface="Lantinghei SC Extralight"/>
+                <a:cs typeface="Lantinghei SC Extralight"/>
+              </a:rPr>
+              <a:t>more attractive to save money in currency with higher interest rate</a:t>
             </a:r>
             <a:endParaRPr lang="en-US" b="1" dirty="0" smtClean="0">
               <a:solidFill>
@@ -5281,6 +5311,16 @@
               <a:t>IP differential	</a:t>
             </a:r>
             <a:r>
+              <a:rPr lang="en-US" sz="1200" dirty="0" smtClean="0">
+                <a:solidFill>
+                  <a:schemeClr val="bg1"/>
+                </a:solidFill>
+                <a:latin typeface="Lantinghei SC Extralight"/>
+                <a:cs typeface="Lantinghei SC Extralight"/>
+              </a:rPr>
+              <a:t>- </a:t>
+            </a:r>
+            <a:r>
               <a:rPr lang="en-US" sz="1200" b="1" dirty="0" smtClean="0">
                 <a:solidFill>
                   <a:schemeClr val="bg1"/>
@@ -5288,7 +5328,27 @@
                 <a:latin typeface="Lantinghei SC Extralight"/>
                 <a:cs typeface="Lantinghei SC Extralight"/>
               </a:rPr>
-              <a:t>–</a:t>
+              <a:t>higher </a:t>
+            </a:r>
+            <a:r>
+              <a:rPr lang="en-US" sz="1200" b="1" dirty="0">
+                <a:solidFill>
+                  <a:schemeClr val="bg1"/>
+                </a:solidFill>
+                <a:latin typeface="Lantinghei SC Extralight"/>
+                <a:cs typeface="Lantinghei SC Extralight"/>
+              </a:rPr>
+              <a:t>demand </a:t>
+            </a:r>
+            <a:r>
+              <a:rPr lang="en-US" sz="1200" b="1" dirty="0" smtClean="0">
+                <a:solidFill>
+                  <a:schemeClr val="bg1"/>
+                </a:solidFill>
+                <a:latin typeface="Lantinghei SC Extralight"/>
+                <a:cs typeface="Lantinghei SC Extralight"/>
+              </a:rPr>
+              <a:t>for goods and services = </a:t>
             </a:r>
             <a:r>
               <a:rPr lang="en-US" sz="1200" b="1" dirty="0" smtClean="0">
@@ -5322,7 +5382,51 @@
                 <a:latin typeface="Lantinghei SC Extralight"/>
                 <a:cs typeface="Lantinghei SC Extralight"/>
               </a:rPr>
-              <a:t>production = </a:t>
+              <a:t>production </a:t>
+            </a:r>
+            <a:endParaRPr lang="en-US" sz="1200" b="1" dirty="0" smtClean="0">
+              <a:solidFill>
+                <a:schemeClr val="bg1"/>
+              </a:solidFill>
+              <a:latin typeface="Lantinghei SC Extralight"/>
+              <a:cs typeface="Lantinghei SC Extralight"/>
+            </a:endParaRPr>
+          </a:p>
+          <a:p>
+            <a:pPr lvl="5">
+              <a:lnSpc>
+                <a:spcPct val="150000"/>
+              </a:lnSpc>
+            </a:pPr>
+            <a:r>
+              <a:rPr lang="en-US" sz="1200" b="1" dirty="0">
+                <a:solidFill>
+                  <a:schemeClr val="bg1"/>
+                </a:solidFill>
+                <a:latin typeface="Lantinghei SC Extralight"/>
+                <a:cs typeface="Lantinghei SC Extralight"/>
+              </a:rPr>
+              <a:t>	</a:t>
+            </a:r>
+            <a:r>
+              <a:rPr lang="en-US" sz="1200" b="1" dirty="0" smtClean="0">
+                <a:solidFill>
+                  <a:schemeClr val="bg1"/>
+                </a:solidFill>
+                <a:latin typeface="Lantinghei SC Extralight"/>
+                <a:cs typeface="Lantinghei SC Extralight"/>
+              </a:rPr>
+              <a:t>   </a:t>
+            </a:r>
+            <a:r>
+              <a:rPr lang="en-US" sz="1200" b="1" dirty="0" smtClean="0">
+                <a:solidFill>
+                  <a:schemeClr val="bg1"/>
+                </a:solidFill>
+                <a:latin typeface="Lantinghei SC Extralight"/>
+                <a:cs typeface="Lantinghei SC Extralight"/>
+              </a:rPr>
+              <a:t>= </a:t>
             </a:r>
             <a:r>
               <a:rPr lang="en-US" sz="1200" b="1" dirty="0" smtClean="0">
@@ -5334,17 +5438,31 @@
                 <a:cs typeface="Lantinghei TC Extralight"/>
                 <a:sym typeface="Wingdings"/>
               </a:rPr>
-              <a:t>stronger </a:t>
+              <a:t>stronger</a:t>
             </a:r>
             <a:r>
               <a:rPr lang="en-US" sz="1200" b="1" dirty="0" smtClean="0">
                 <a:solidFill>
+                  <a:schemeClr val="bg2">
+                    <a:lumMod val="75000"/>
+                  </a:schemeClr>
+                </a:solidFill>
+                <a:latin typeface="Lantinghei TC Extralight"/>
+                <a:ea typeface="Wingdings"/>
+                <a:cs typeface="Lantinghei TC Extralight"/>
+                <a:sym typeface="Wingdings"/>
+              </a:rPr>
+              <a:t> </a:t>
+            </a:r>
+            <a:r>
+              <a:rPr lang="en-US" sz="1200" b="1" dirty="0" smtClean="0">
+                <a:solidFill>
                   <a:schemeClr val="bg1"/>
                 </a:solidFill>
                 <a:latin typeface="Lantinghei SC Extralight"/>
                 <a:cs typeface="Lantinghei SC Extralight"/>
               </a:rPr>
-              <a:t>economy =  </a:t>
+              <a:t>economy  = </a:t>
             </a:r>
             <a:r>
               <a:rPr lang="en-US" sz="1200" b="1" dirty="0" smtClean="0">
@@ -5548,10 +5666,20 @@
                 <a:latin typeface="Lantinghei SC Extralight"/>
                 <a:cs typeface="Lantinghei SC Extralight"/>
               </a:rPr>
-              <a:t>relationship (negative (</a:t>
+              <a:t>relationship (negative </a:t>
             </a:r>
             <a:r>
               <a:rPr lang="en-US" sz="1400" b="1" dirty="0" smtClean="0">
+                <a:solidFill>
+                  <a:srgbClr val="D9D9D9"/>
+                </a:solidFill>
+                <a:latin typeface="Lantinghei SC Extralight"/>
+                <a:cs typeface="Lantinghei SC Extralight"/>
+              </a:rPr>
+              <a:t>(</a:t>
+            </a:r>
+            <a:r>
+              <a:rPr lang="en-US" sz="1400" b="1" dirty="0">
                 <a:solidFill>
                   <a:srgbClr val="D9D9D9"/>
                 </a:solidFill>
@@ -5559,7 +5687,7 @@
                 <a:ea typeface="ＭＳ ゴシック"/>
                 <a:cs typeface="ＭＳ ゴシック"/>
               </a:rPr>
-              <a:t>−)</a:t>
+              <a:t>−</a:t>
             </a:r>
             <a:r>
               <a:rPr lang="en-US" sz="1400" b="1" dirty="0" smtClean="0">
@@ -5569,7 +5697,17 @@
                 <a:latin typeface="Lantinghei SC Extralight"/>
                 <a:cs typeface="Lantinghei SC Extralight"/>
               </a:rPr>
-              <a:t> correlation):</a:t>
+              <a:t>) </a:t>
+            </a:r>
+            <a:r>
+              <a:rPr lang="en-US" sz="1400" b="1" dirty="0" smtClean="0">
+                <a:solidFill>
+                  <a:srgbClr val="D9D9D9"/>
+                </a:solidFill>
+                <a:latin typeface="Lantinghei SC Extralight"/>
+                <a:cs typeface="Lantinghei SC Extralight"/>
+              </a:rPr>
+              <a:t>correlation):</a:t>
             </a:r>
           </a:p>
           <a:p>
@@ -5591,6 +5729,16 @@
               <a:t>Inflation differential	</a:t>
             </a:r>
             <a:r>
+              <a:rPr lang="en-US" sz="1200" dirty="0" smtClean="0">
+                <a:solidFill>
+                  <a:schemeClr val="bg1"/>
+                </a:solidFill>
+                <a:latin typeface="Lantinghei SC Extralight"/>
+                <a:cs typeface="Lantinghei SC Extralight"/>
+              </a:rPr>
+              <a:t>-</a:t>
+            </a:r>
+            <a:r>
               <a:rPr lang="en-US" sz="1200" b="1" dirty="0" smtClean="0">
                 <a:solidFill>
                   <a:schemeClr val="bg1"/>
@@ -5598,7 +5746,7 @@
                 <a:latin typeface="Lantinghei SC Extralight"/>
                 <a:cs typeface="Lantinghei SC Extralight"/>
               </a:rPr>
-              <a:t>–</a:t>
+              <a:t> </a:t>
             </a:r>
             <a:r>
               <a:rPr lang="en-US" sz="1200" b="1" dirty="0" smtClean="0">
@@ -5620,19 +5768,17 @@
                 <a:latin typeface="Lantinghei SC Extralight"/>
                 <a:cs typeface="Lantinghei SC Extralight"/>
               </a:rPr>
-              <a:t> inflation = </a:t>
+              <a:t> </a:t>
             </a:r>
             <a:r>
               <a:rPr lang="en-US" sz="1200" b="1" dirty="0" smtClean="0">
                 <a:solidFill>
                   <a:schemeClr val="bg1"/>
                 </a:solidFill>
-                <a:latin typeface="Wingdings"/>
-                <a:ea typeface="Wingdings"/>
-                <a:cs typeface="Wingdings"/>
-                <a:sym typeface="Wingdings"/>
-              </a:rPr>
-              <a:t></a:t>
+                <a:latin typeface="Lantinghei SC Extralight"/>
+                <a:cs typeface="Lantinghei SC Extralight"/>
+              </a:rPr>
+              <a:t>inflation </a:t>
             </a:r>
             <a:r>
               <a:rPr lang="en-US" sz="1200" b="1" dirty="0" smtClean="0">
@@ -5642,61 +5788,17 @@
                 <a:latin typeface="Lantinghei SC Extralight"/>
                 <a:cs typeface="Lantinghei SC Extralight"/>
               </a:rPr>
-              <a:t> </a:t>
-            </a:r>
-            <a:r>
-              <a:rPr lang="en-US" sz="1200" b="1" dirty="0">
+              <a:t>= more money buys fewer goods </a:t>
+            </a:r>
+            <a:r>
+              <a:rPr lang="en-US" sz="1200" b="1" dirty="0" smtClean="0">
                 <a:solidFill>
                   <a:schemeClr val="bg1"/>
                 </a:solidFill>
                 <a:latin typeface="Lantinghei SC Extralight"/>
                 <a:cs typeface="Lantinghei SC Extralight"/>
               </a:rPr>
-              <a:t>exports </a:t>
-            </a:r>
-            <a:r>
-              <a:rPr lang="en-US" sz="1200" b="1" dirty="0" smtClean="0">
-                <a:solidFill>
-                  <a:schemeClr val="bg1"/>
-                </a:solidFill>
-                <a:latin typeface="Lantinghei SC Extralight"/>
-                <a:cs typeface="Lantinghei SC Extralight"/>
-              </a:rPr>
-              <a:t>&amp; </a:t>
-            </a:r>
-            <a:r>
-              <a:rPr lang="en-US" sz="1200" b="1" dirty="0" smtClean="0">
-                <a:solidFill>
-                  <a:schemeClr val="bg1"/>
-                </a:solidFill>
-                <a:latin typeface="Wingdings"/>
-                <a:ea typeface="Wingdings"/>
-                <a:cs typeface="Wingdings"/>
-                <a:sym typeface="Wingdings"/>
-              </a:rPr>
-              <a:t></a:t>
-            </a:r>
-            <a:r>
-              <a:rPr lang="en-US" sz="1200" b="1" dirty="0" smtClean="0">
-                <a:solidFill>
-                  <a:schemeClr val="bg1"/>
-                </a:solidFill>
-                <a:latin typeface="Lantinghei TC Extralight"/>
-                <a:ea typeface="Wingdings"/>
-                <a:cs typeface="Lantinghei TC Extralight"/>
-                <a:sym typeface="Wingdings"/>
-              </a:rPr>
-              <a:t> </a:t>
-            </a:r>
-            <a:r>
-              <a:rPr lang="en-US" sz="1200" b="1" dirty="0" smtClean="0">
-                <a:solidFill>
-                  <a:schemeClr val="bg1"/>
-                </a:solidFill>
-                <a:latin typeface="Lantinghei SC Extralight"/>
-                <a:cs typeface="Lantinghei SC Extralight"/>
-              </a:rPr>
-              <a:t>imports = </a:t>
+              <a:t>= </a:t>
             </a:r>
             <a:r>
               <a:rPr lang="en-US" sz="1200" b="1" dirty="0" smtClean="0">
@@ -5762,6 +5864,16 @@
               <a:t>differential 	</a:t>
             </a:r>
             <a:r>
+              <a:rPr lang="en-US" sz="1200" dirty="0" smtClean="0">
+                <a:solidFill>
+                  <a:schemeClr val="bg1"/>
+                </a:solidFill>
+                <a:latin typeface="Lantinghei SC Extralight"/>
+                <a:cs typeface="Lantinghei SC Extralight"/>
+              </a:rPr>
+              <a:t>-</a:t>
+            </a:r>
+            <a:r>
               <a:rPr lang="en-US" sz="1200" b="1" dirty="0" smtClean="0">
                 <a:solidFill>
                   <a:schemeClr val="bg1"/>
@@ -5769,7 +5881,7 @@
                 <a:latin typeface="Lantinghei SC Extralight"/>
                 <a:cs typeface="Lantinghei SC Extralight"/>
               </a:rPr>
-              <a:t>- all else equal, </a:t>
+              <a:t> all else equal, </a:t>
             </a:r>
             <a:r>
               <a:rPr lang="en-US" sz="1200" b="1" dirty="0" smtClean="0">
@@ -5803,19 +5915,17 @@
                 <a:latin typeface="Lantinghei SC Extralight"/>
                 <a:cs typeface="Lantinghei SC Extralight"/>
               </a:rPr>
-              <a:t>supply with </a:t>
+              <a:t>supply </a:t>
             </a:r>
             <a:r>
               <a:rPr lang="en-US" sz="1200" b="1" dirty="0" smtClean="0">
                 <a:solidFill>
                   <a:schemeClr val="bg1"/>
                 </a:solidFill>
-                <a:latin typeface="Wingdings"/>
-                <a:ea typeface="Wingdings"/>
-                <a:cs typeface="Wingdings"/>
-                <a:sym typeface="Wingdings"/>
-              </a:rPr>
-              <a:t></a:t>
+                <a:latin typeface="Lantinghei SC Extralight"/>
+                <a:cs typeface="Lantinghei SC Extralight"/>
+              </a:rPr>
+              <a:t>with constant demand </a:t>
             </a:r>
             <a:r>
               <a:rPr lang="en-US" sz="1200" b="1" dirty="0" smtClean="0">
@@ -5825,7 +5935,7 @@
                 <a:latin typeface="Lantinghei SC Extralight"/>
                 <a:cs typeface="Lantinghei SC Extralight"/>
               </a:rPr>
-              <a:t>  demand = </a:t>
+              <a:t>= </a:t>
             </a:r>
             <a:r>
               <a:rPr lang="en-US" sz="1200" b="1" dirty="0" smtClean="0">
@@ -5975,7 +6085,7 @@
         </p:nvCxnSpPr>
         <p:spPr>
           <a:xfrm>
-            <a:off x="580071" y="878075"/>
+            <a:off x="508951" y="878075"/>
             <a:ext cx="2978757" cy="0"/>
           </a:xfrm>
           <a:prstGeom prst="line">
@@ -6473,7 +6583,31 @@
                 <a:latin typeface="Lantinghei SC Extralight"/>
                 <a:cs typeface="Lantinghei SC Extralight"/>
               </a:rPr>
-              <a:t>Long enough to avoid over-sensitivity to recent events</a:t>
+              <a:t>Long enough to avoid </a:t>
+            </a:r>
+            <a:r>
+              <a:rPr lang="en-US" sz="1600" b="1" dirty="0" smtClean="0">
+                <a:solidFill>
+                  <a:schemeClr val="bg1">
+                    <a:lumMod val="95000"/>
+                  </a:schemeClr>
+                </a:solidFill>
+                <a:latin typeface="Lantinghei SC Extralight"/>
+                <a:cs typeface="Lantinghei SC Extralight"/>
+              </a:rPr>
+              <a:t>over-</a:t>
+            </a:r>
+            <a:r>
+              <a:rPr lang="en-US" sz="1600" b="1" dirty="0" smtClean="0">
+                <a:solidFill>
+                  <a:schemeClr val="bg1">
+                    <a:lumMod val="95000"/>
+                  </a:schemeClr>
+                </a:solidFill>
+                <a:latin typeface="Lantinghei SC Extralight"/>
+                <a:cs typeface="Lantinghei SC Extralight"/>
+              </a:rPr>
+              <a:t>sensitivity to recent events</a:t>
             </a:r>
           </a:p>
           <a:p>
@@ -6573,7 +6707,19 @@
                 <a:latin typeface="Lantinghei SC Extralight"/>
                 <a:cs typeface="Lantinghei SC Extralight"/>
               </a:rPr>
-              <a:t>Change according to model</a:t>
+              <a:t>Changes </a:t>
+            </a:r>
+            <a:r>
+              <a:rPr lang="en-US" sz="1600" b="1" dirty="0" smtClean="0">
+                <a:solidFill>
+                  <a:schemeClr val="bg1">
+                    <a:lumMod val="95000"/>
+                  </a:schemeClr>
+                </a:solidFill>
+                <a:latin typeface="Lantinghei SC Extralight"/>
+                <a:cs typeface="Lantinghei SC Extralight"/>
+              </a:rPr>
+              <a:t>according to model</a:t>
             </a:r>
             <a:endParaRPr lang="en-US" sz="1600" b="1" dirty="0">
               <a:solidFill>
@@ -6686,7 +6832,7 @@
                 <a:latin typeface="Lantinghei SC Extralight"/>
                 <a:cs typeface="Lantinghei SC Extralight"/>
               </a:rPr>
-              <a:t>via cross-validation</a:t>
+              <a:t>via cross-validation:</a:t>
             </a:r>
             <a:endParaRPr lang="en-US" sz="1600" dirty="0" smtClean="0">
               <a:latin typeface="Lantinghei SC Extralight"/>
@@ -6934,7 +7080,7 @@
         </p:nvCxnSpPr>
         <p:spPr>
           <a:xfrm>
-            <a:off x="5518539" y="878075"/>
+            <a:off x="5447419" y="878075"/>
             <a:ext cx="2978757" cy="0"/>
           </a:xfrm>
           <a:prstGeom prst="line">
@@ -7351,7 +7497,7 @@
         <p:spPr>
           <a:xfrm>
             <a:off x="621263" y="2432492"/>
-            <a:ext cx="3596029" cy="3570208"/>
+            <a:ext cx="3596029" cy="3539431"/>
           </a:xfrm>
           <a:prstGeom prst="rect">
             <a:avLst/>
@@ -7551,19 +7697,13 @@
               </a:rPr>
               <a:t>0.580</a:t>
             </a:r>
-            <a:endParaRPr lang="en-US" sz="1400" b="1" dirty="0">
-              <a:latin typeface="Lantinghei SC Extralight"/>
-              <a:cs typeface="Lantinghei SC Extralight"/>
-            </a:endParaRPr>
-          </a:p>
-          <a:p>
             <a:endParaRPr lang="en-US" sz="1200" dirty="0" smtClean="0">
               <a:latin typeface="Lantinghei SC Extralight"/>
               <a:cs typeface="Lantinghei SC Extralight"/>
             </a:endParaRPr>
           </a:p>
           <a:p>
-            <a:endParaRPr lang="en-US" sz="1200" dirty="0" smtClean="0">
+            <a:endParaRPr lang="en-US" dirty="0" smtClean="0">
               <a:latin typeface="Lantinghei SC Extralight"/>
               <a:cs typeface="Lantinghei SC Extralight"/>
             </a:endParaRPr>
@@ -7633,7 +7773,7 @@
             </a:endParaRPr>
           </a:p>
           <a:p>
-            <a:endParaRPr lang="en-US" sz="1400" dirty="0" smtClean="0">
+            <a:endParaRPr lang="en-US" dirty="0" smtClean="0">
               <a:latin typeface="Lantinghei SC Extralight"/>
               <a:cs typeface="Lantinghei SC Extralight"/>
             </a:endParaRPr>
@@ -7745,7 +7885,7 @@
         </p:nvCxnSpPr>
         <p:spPr>
           <a:xfrm>
-            <a:off x="5518539" y="878075"/>
+            <a:off x="5447419" y="878075"/>
             <a:ext cx="2978757" cy="0"/>
           </a:xfrm>
           <a:prstGeom prst="line">
@@ -8436,7 +8576,7 @@
             </a:r>
           </a:p>
           <a:p>
-            <a:endParaRPr lang="en-US" sz="1600" b="1" dirty="0" smtClean="0">
+            <a:endParaRPr lang="en-US" b="1" dirty="0" smtClean="0">
               <a:latin typeface="Lantinghei SC Extralight"/>
               <a:cs typeface="Lantinghei SC Extralight"/>
             </a:endParaRPr>
@@ -8566,7 +8706,7 @@
         </p:nvCxnSpPr>
         <p:spPr>
           <a:xfrm>
-            <a:off x="5518539" y="878075"/>
+            <a:off x="5447419" y="878075"/>
             <a:ext cx="2978757" cy="0"/>
           </a:xfrm>
           <a:prstGeom prst="line">
@@ -9253,7 +9393,7 @@
             </a:r>
           </a:p>
           <a:p>
-            <a:endParaRPr lang="en-US" sz="1600" b="1" dirty="0" smtClean="0">
+            <a:endParaRPr lang="en-US" b="1" dirty="0" smtClean="0">
               <a:latin typeface="Lantinghei SC Extralight"/>
               <a:cs typeface="Lantinghei SC Extralight"/>
             </a:endParaRPr>
@@ -9392,7 +9532,7 @@
         </p:nvCxnSpPr>
         <p:spPr>
           <a:xfrm>
-            <a:off x="5518539" y="878075"/>
+            <a:off x="5447419" y="878075"/>
             <a:ext cx="2978757" cy="0"/>
           </a:xfrm>
           <a:prstGeom prst="line">
@@ -10091,7 +10231,7 @@
             </a:r>
           </a:p>
           <a:p>
-            <a:endParaRPr lang="en-US" sz="1600" b="1" dirty="0" smtClean="0">
+            <a:endParaRPr lang="en-US" b="1" dirty="0" smtClean="0">
               <a:latin typeface="Lantinghei SC Extralight"/>
               <a:cs typeface="Lantinghei SC Extralight"/>
             </a:endParaRPr>
@@ -10214,7 +10354,7 @@
         </p:nvCxnSpPr>
         <p:spPr>
           <a:xfrm>
-            <a:off x="5518539" y="878075"/>
+            <a:off x="5447419" y="878075"/>
             <a:ext cx="2978757" cy="0"/>
           </a:xfrm>
           <a:prstGeom prst="line">
@@ -10980,7 +11120,7 @@
             </a:endParaRPr>
           </a:p>
           <a:p>
-            <a:endParaRPr lang="en-US" sz="1600" b="1" dirty="0" smtClean="0">
+            <a:endParaRPr lang="en-US" b="1" dirty="0" smtClean="0">
               <a:latin typeface="Lantinghei SC Extralight"/>
               <a:cs typeface="Lantinghei SC Extralight"/>
             </a:endParaRPr>
@@ -11108,7 +11248,7 @@
         </p:nvCxnSpPr>
         <p:spPr>
           <a:xfrm>
-            <a:off x="5518539" y="878075"/>
+            <a:off x="5447419" y="878075"/>
             <a:ext cx="2978757" cy="0"/>
           </a:xfrm>
           <a:prstGeom prst="line">
@@ -11830,7 +11970,7 @@
             </a:endParaRPr>
           </a:p>
           <a:p>
-            <a:endParaRPr lang="en-US" sz="1600" b="1" dirty="0" smtClean="0">
+            <a:endParaRPr lang="en-US" b="1" dirty="0" smtClean="0">
               <a:latin typeface="Lantinghei SC Extralight"/>
               <a:cs typeface="Lantinghei SC Extralight"/>
             </a:endParaRPr>
